--- a/presentations/Analysis Summary (Draft).pptx
+++ b/presentations/Analysis Summary (Draft).pptx
@@ -10,6 +10,7 @@
     <p:sldId id="266" r:id="rId4"/>
     <p:sldId id="267" r:id="rId5"/>
     <p:sldId id="268" r:id="rId6"/>
+    <p:sldId id="269" r:id="rId7"/>
   </p:sldIdLst>
   <p:sldSz cx="12192000" cy="6858000"/>
   <p:notesSz cx="6858000" cy="9144000"/>
@@ -108,6 +109,11 @@
       </a:defRPr>
     </a:lvl9pPr>
   </p:defaultTextStyle>
+  <p:extLst>
+    <p:ext uri="{EFAFB233-063F-42B5-8137-9DF3F51BA10A}">
+      <p15:sldGuideLst xmlns:p15="http://schemas.microsoft.com/office/powerpoint/2012/main"/>
+    </p:ext>
+  </p:extLst>
 </p:presentation>
 </file>
 
@@ -4680,6 +4686,198 @@
 </p:sld>
 </file>
 
+<file path=ppt/slides/slide6.xml><?xml version="1.0" encoding="utf-8"?>
+<p:sld xmlns:a="http://schemas.openxmlformats.org/drawingml/2006/main" xmlns:r="http://schemas.openxmlformats.org/officeDocument/2006/relationships" xmlns:p="http://schemas.openxmlformats.org/presentationml/2006/main">
+  <p:cSld>
+    <p:spTree>
+      <p:nvGrpSpPr>
+        <p:cNvPr id="1" name=""/>
+        <p:cNvGrpSpPr/>
+        <p:nvPr/>
+      </p:nvGrpSpPr>
+      <p:grpSpPr>
+        <a:xfrm>
+          <a:off x="0" y="0"/>
+          <a:ext cx="0" cy="0"/>
+          <a:chOff x="0" y="0"/>
+          <a:chExt cx="0" cy="0"/>
+        </a:xfrm>
+      </p:grpSpPr>
+      <p:sp>
+        <p:nvSpPr>
+          <p:cNvPr id="8" name="TextBox 7">
+            <a:extLst>
+              <a:ext uri="{FF2B5EF4-FFF2-40B4-BE49-F238E27FC236}">
+                <a16:creationId xmlns:a16="http://schemas.microsoft.com/office/drawing/2014/main" id="{0CFB5F69-1C28-1D4E-99E1-57E43354EFF5}"/>
+              </a:ext>
+            </a:extLst>
+          </p:cNvPr>
+          <p:cNvSpPr txBox="1"/>
+          <p:nvPr/>
+        </p:nvSpPr>
+        <p:spPr>
+          <a:xfrm>
+            <a:off x="380144" y="380144"/>
+            <a:ext cx="10931703" cy="430887"/>
+          </a:xfrm>
+          <a:prstGeom prst="rect">
+            <a:avLst/>
+          </a:prstGeom>
+          <a:noFill/>
+        </p:spPr>
+        <p:txBody>
+          <a:bodyPr wrap="square" rtlCol="0">
+            <a:spAutoFit/>
+          </a:bodyPr>
+          <a:lstStyle/>
+          <a:p>
+            <a:r>
+              <a:rPr lang="en-US" sz="2200" b="1" dirty="0"/>
+              <a:t>Appendix: KHPN Total Aircraft Operations</a:t>
+            </a:r>
+          </a:p>
+        </p:txBody>
+      </p:sp>
+      <p:sp>
+        <p:nvSpPr>
+          <p:cNvPr id="9" name="TextBox 8">
+            <a:extLst>
+              <a:ext uri="{FF2B5EF4-FFF2-40B4-BE49-F238E27FC236}">
+                <a16:creationId xmlns:a16="http://schemas.microsoft.com/office/drawing/2014/main" id="{6B706C95-D740-D141-8A01-4284C128182B}"/>
+              </a:ext>
+            </a:extLst>
+          </p:cNvPr>
+          <p:cNvSpPr txBox="1"/>
+          <p:nvPr/>
+        </p:nvSpPr>
+        <p:spPr>
+          <a:xfrm>
+            <a:off x="142830" y="6477856"/>
+            <a:ext cx="10931702" cy="246221"/>
+          </a:xfrm>
+          <a:prstGeom prst="rect">
+            <a:avLst/>
+          </a:prstGeom>
+          <a:noFill/>
+        </p:spPr>
+        <p:txBody>
+          <a:bodyPr wrap="square" rtlCol="0">
+            <a:spAutoFit/>
+          </a:bodyPr>
+          <a:lstStyle/>
+          <a:p>
+            <a:r>
+              <a:rPr lang="en-US" sz="1000" i="1" dirty="0"/>
+              <a:t>Data source: KHPN ANOMS radar data; Code at https://</a:t>
+            </a:r>
+            <a:r>
+              <a:rPr lang="en-US" sz="1000" i="1" dirty="0" err="1"/>
+              <a:t>github.com</a:t>
+            </a:r>
+            <a:r>
+              <a:rPr lang="en-US" sz="1000" i="1" dirty="0"/>
+              <a:t>/</a:t>
+            </a:r>
+            <a:r>
+              <a:rPr lang="en-US" sz="1000" i="1" dirty="0" err="1"/>
+              <a:t>nthartman</a:t>
+            </a:r>
+            <a:r>
+              <a:rPr lang="en-US" sz="1000" i="1" dirty="0"/>
+              <a:t>/</a:t>
+            </a:r>
+            <a:r>
+              <a:rPr lang="en-US" sz="1000" i="1" dirty="0" err="1"/>
+              <a:t>KHPN_Traffic_Frequency</a:t>
+            </a:r>
+            <a:endParaRPr lang="en-US" sz="1000" i="1" dirty="0"/>
+          </a:p>
+        </p:txBody>
+      </p:sp>
+      <p:sp>
+        <p:nvSpPr>
+          <p:cNvPr id="7" name="TextBox 6">
+            <a:extLst>
+              <a:ext uri="{FF2B5EF4-FFF2-40B4-BE49-F238E27FC236}">
+                <a16:creationId xmlns:a16="http://schemas.microsoft.com/office/drawing/2014/main" id="{D767D077-BBE8-CB46-A1EE-183236EB64D1}"/>
+              </a:ext>
+            </a:extLst>
+          </p:cNvPr>
+          <p:cNvSpPr txBox="1"/>
+          <p:nvPr/>
+        </p:nvSpPr>
+        <p:spPr>
+          <a:xfrm>
+            <a:off x="10459092" y="152402"/>
+            <a:ext cx="1570234" cy="276999"/>
+          </a:xfrm>
+          <a:prstGeom prst="rect">
+            <a:avLst/>
+          </a:prstGeom>
+          <a:solidFill>
+            <a:schemeClr val="bg1">
+              <a:lumMod val="75000"/>
+            </a:schemeClr>
+          </a:solidFill>
+        </p:spPr>
+        <p:txBody>
+          <a:bodyPr wrap="square" rtlCol="0">
+            <a:spAutoFit/>
+          </a:bodyPr>
+          <a:lstStyle/>
+          <a:p>
+            <a:pPr algn="ctr"/>
+            <a:r>
+              <a:rPr lang="en-US" sz="1200" b="1" dirty="0"/>
+              <a:t>PRELIMINARY DRAFT </a:t>
+            </a:r>
+            <a:endParaRPr lang="en-US" sz="1200" dirty="0"/>
+          </a:p>
+        </p:txBody>
+      </p:sp>
+      <p:pic>
+        <p:nvPicPr>
+          <p:cNvPr id="11" name="Picture 10">
+            <a:extLst>
+              <a:ext uri="{FF2B5EF4-FFF2-40B4-BE49-F238E27FC236}">
+                <a16:creationId xmlns:a16="http://schemas.microsoft.com/office/drawing/2014/main" id="{EEC4A47D-7F24-D140-BD6C-DBFC03B780A7}"/>
+              </a:ext>
+            </a:extLst>
+          </p:cNvPr>
+          <p:cNvPicPr>
+            <a:picLocks noChangeAspect="1"/>
+          </p:cNvPicPr>
+          <p:nvPr/>
+        </p:nvPicPr>
+        <p:blipFill>
+          <a:blip r:embed="rId2"/>
+          <a:stretch>
+            <a:fillRect/>
+          </a:stretch>
+        </p:blipFill>
+        <p:spPr>
+          <a:xfrm>
+            <a:off x="931767" y="1038773"/>
+            <a:ext cx="10328465" cy="5057453"/>
+          </a:xfrm>
+          <a:prstGeom prst="rect">
+            <a:avLst/>
+          </a:prstGeom>
+        </p:spPr>
+      </p:pic>
+    </p:spTree>
+    <p:extLst>
+      <p:ext uri="{BB962C8B-B14F-4D97-AF65-F5344CB8AC3E}">
+        <p14:creationId xmlns:p14="http://schemas.microsoft.com/office/powerpoint/2010/main" val="1666620376"/>
+      </p:ext>
+    </p:extLst>
+  </p:cSld>
+  <p:clrMapOvr>
+    <a:masterClrMapping/>
+  </p:clrMapOvr>
+</p:sld>
+</file>
+
 <file path=ppt/theme/theme1.xml><?xml version="1.0" encoding="utf-8"?>
 <a:theme xmlns:a="http://schemas.openxmlformats.org/drawingml/2006/main" name="Office Theme">
   <a:themeElements>
